--- a/lectures/05-performance-evaluation.pptx
+++ b/lectures/05-performance-evaluation.pptx
@@ -251,7 +251,7 @@
           <a:p>
             <a:fld id="{53CD2493-0AFC-45FB-85C8-B9D552CC01B0}" type="datetimeFigureOut">
               <a:rPr lang="en-US" smtClean="0"/>
-              <a:t>09-Sep-18</a:t>
+              <a:t>10-Sep-18</a:t>
             </a:fld>
             <a:endParaRPr lang="en-US"/>
           </a:p>
@@ -1618,7 +1618,7 @@
             <a:fld id="{8DF9E8F3-4849-FA48-B4C8-2D894E979956}" type="datetimeFigureOut">
               <a:rPr lang="nn-NO" smtClean="0"/>
               <a:pPr/>
-              <a:t>09.09.2018</a:t>
+              <a:t>10.09.2018</a:t>
             </a:fld>
             <a:endParaRPr lang="nn-NO"/>
           </a:p>
@@ -1903,7 +1903,7 @@
             <a:fld id="{8DF9E8F3-4849-FA48-B4C8-2D894E979956}" type="datetimeFigureOut">
               <a:rPr lang="nn-NO" smtClean="0"/>
               <a:pPr/>
-              <a:t>09.09.2018</a:t>
+              <a:t>10.09.2018</a:t>
             </a:fld>
             <a:endParaRPr lang="nn-NO"/>
           </a:p>
@@ -2018,7 +2018,7 @@
             <a:fld id="{8DF9E8F3-4849-FA48-B4C8-2D894E979956}" type="datetimeFigureOut">
               <a:rPr lang="nn-NO" smtClean="0"/>
               <a:pPr/>
-              <a:t>09.09.2018</a:t>
+              <a:t>10.09.2018</a:t>
             </a:fld>
             <a:endParaRPr lang="nn-NO"/>
           </a:p>
@@ -2168,7 +2168,7 @@
             <a:fld id="{8DF9E8F3-4849-FA48-B4C8-2D894E979956}" type="datetimeFigureOut">
               <a:rPr lang="nn-NO" smtClean="0"/>
               <a:pPr/>
-              <a:t>09.09.2018</a:t>
+              <a:t>10.09.2018</a:t>
             </a:fld>
             <a:endParaRPr lang="nn-NO"/>
           </a:p>
@@ -2260,7 +2260,7 @@
             <a:fld id="{8DF9E8F3-4849-FA48-B4C8-2D894E979956}" type="datetimeFigureOut">
               <a:rPr lang="nn-NO" smtClean="0"/>
               <a:pPr/>
-              <a:t>09.09.2018</a:t>
+              <a:t>10.09.2018</a:t>
             </a:fld>
             <a:endParaRPr lang="nn-NO" dirty="0"/>
           </a:p>
@@ -3087,7 +3087,7 @@
             <a:fld id="{8DF9E8F3-4849-FA48-B4C8-2D894E979956}" type="datetimeFigureOut">
               <a:rPr lang="nn-NO" smtClean="0"/>
               <a:pPr/>
-              <a:t>09.09.2018</a:t>
+              <a:t>10.09.2018</a:t>
             </a:fld>
             <a:endParaRPr lang="nn-NO" dirty="0"/>
           </a:p>
@@ -6855,12 +6855,6 @@
             </a:r>
           </a:p>
           <a:p>
-            <a:r>
-              <a:rPr lang="en-US" dirty="0"/>
-              <a:t>(Poor random-number generators or seeds)</a:t>
-            </a:r>
-          </a:p>
-          <a:p>
             <a:pPr marL="0" indent="0">
               <a:buNone/>
             </a:pPr>
@@ -6936,12 +6930,8 @@
           <a:lstStyle/>
           <a:p>
             <a:r>
-              <a:rPr lang="en-US" b="1" dirty="0"/>
-              <a:t>Emulation</a:t>
-            </a:r>
-            <a:r>
-              <a:rPr lang="en-US" dirty="0"/>
-              <a:t>: duplicate functions of guest system on host</a:t>
+              <a:rPr lang="en-US" dirty="0"/>
+              <a:t>Emulation: duplicate functions of guest system on host</a:t>
             </a:r>
           </a:p>
           <a:p>
@@ -6953,42 +6943,26 @@
           </a:p>
           <a:p>
             <a:r>
-              <a:rPr lang="en-US" b="1" dirty="0"/>
-              <a:t>State variables</a:t>
-            </a:r>
-            <a:r>
-              <a:rPr lang="en-US" dirty="0"/>
-              <a:t>: defines state of system</a:t>
-            </a:r>
-          </a:p>
-          <a:p>
-            <a:r>
-              <a:rPr lang="en-US" b="1" dirty="0"/>
-              <a:t>Event: </a:t>
-            </a:r>
-            <a:r>
-              <a:rPr lang="en-US" dirty="0"/>
-              <a:t>change in system state</a:t>
-            </a:r>
-          </a:p>
-          <a:p>
-            <a:r>
-              <a:rPr lang="en-US" b="1" dirty="0"/>
-              <a:t>Continuous-time model: </a:t>
-            </a:r>
-            <a:r>
-              <a:rPr lang="en-US" dirty="0"/>
-              <a:t>system state is defined at all times</a:t>
-            </a:r>
-          </a:p>
-          <a:p>
-            <a:r>
-              <a:rPr lang="en-US" b="1" dirty="0"/>
-              <a:t>Discrete-time model:</a:t>
-            </a:r>
-            <a:r>
-              <a:rPr lang="en-US" dirty="0"/>
-              <a:t> system state only defined at particular instants of time</a:t>
+              <a:rPr lang="en-US" dirty="0"/>
+              <a:t>State variables: defines state of system</a:t>
+            </a:r>
+          </a:p>
+          <a:p>
+            <a:r>
+              <a:rPr lang="en-US" dirty="0"/>
+              <a:t>Event: change in system state</a:t>
+            </a:r>
+          </a:p>
+          <a:p>
+            <a:r>
+              <a:rPr lang="en-US" dirty="0"/>
+              <a:t>Continuous-time model: system state is defined at all times</a:t>
+            </a:r>
+          </a:p>
+          <a:p>
+            <a:r>
+              <a:rPr lang="en-US" dirty="0"/>
+              <a:t>Discrete-time model: system state only defined at particular instants of time</a:t>
             </a:r>
             <a:endParaRPr lang="en-US" b="1" dirty="0"/>
           </a:p>
@@ -7062,65 +7036,49 @@
           <a:lstStyle/>
           <a:p>
             <a:r>
-              <a:rPr lang="en-US" b="1" dirty="0"/>
+              <a:rPr lang="en-US" dirty="0"/>
               <a:t>Continuous state model</a:t>
             </a:r>
           </a:p>
           <a:p>
             <a:r>
-              <a:rPr lang="en-US" b="1" dirty="0"/>
+              <a:rPr lang="en-US" dirty="0"/>
               <a:t>Discrete state model</a:t>
             </a:r>
           </a:p>
           <a:p>
             <a:r>
-              <a:rPr lang="en-US" b="1" dirty="0"/>
-              <a:t>Deterministic model: </a:t>
-            </a:r>
-            <a:r>
-              <a:rPr lang="en-US" dirty="0"/>
-              <a:t>output can be predicted with certainty</a:t>
-            </a:r>
-          </a:p>
-          <a:p>
-            <a:r>
-              <a:rPr lang="en-US" b="1" dirty="0"/>
-              <a:t>Probabilistic model: </a:t>
-            </a:r>
-            <a:r>
-              <a:rPr lang="en-US" dirty="0"/>
-              <a:t>different result for same input parameters</a:t>
-            </a:r>
-          </a:p>
-          <a:p>
-            <a:r>
-              <a:rPr lang="en-US" b="1" dirty="0"/>
-              <a:t>Static model: </a:t>
-            </a:r>
-            <a:r>
-              <a:rPr lang="en-US" dirty="0"/>
-              <a:t> time is not a variable</a:t>
-            </a:r>
-          </a:p>
-          <a:p>
-            <a:r>
-              <a:rPr lang="en-US" b="1" dirty="0"/>
-              <a:t>Dynamic model: </a:t>
-            </a:r>
-            <a:r>
-              <a:rPr lang="en-US" dirty="0"/>
-              <a:t>time is a variable</a:t>
-            </a:r>
-          </a:p>
-          <a:p>
-            <a:r>
-              <a:rPr lang="en-US" b="1" dirty="0"/>
+              <a:rPr lang="en-US" dirty="0"/>
+              <a:t>Deterministic model: output can be predicted with certainty</a:t>
+            </a:r>
+          </a:p>
+          <a:p>
+            <a:r>
+              <a:rPr lang="en-US" dirty="0"/>
+              <a:t>Probabilistic model: different result for same input parameters</a:t>
+            </a:r>
+          </a:p>
+          <a:p>
+            <a:r>
+              <a:rPr lang="en-US" dirty="0"/>
+              <a:t>Static model:  time is not a variable</a:t>
+            </a:r>
+          </a:p>
+          <a:p>
+            <a:r>
+              <a:rPr lang="en-US" dirty="0"/>
+              <a:t>Dynamic model: time is a variable</a:t>
+            </a:r>
+          </a:p>
+          <a:p>
+            <a:r>
+              <a:rPr lang="en-US" dirty="0"/>
               <a:t>Linear model</a:t>
             </a:r>
           </a:p>
           <a:p>
             <a:r>
-              <a:rPr lang="en-US" b="1" dirty="0"/>
+              <a:rPr lang="en-US" dirty="0"/>
               <a:t>Non-linear model</a:t>
             </a:r>
           </a:p>
@@ -7194,42 +7152,26 @@
           <a:lstStyle/>
           <a:p>
             <a:r>
-              <a:rPr lang="en-US" b="1" dirty="0"/>
-              <a:t>Open model</a:t>
-            </a:r>
-            <a:r>
-              <a:rPr lang="en-US" dirty="0"/>
-              <a:t>: input is external to model</a:t>
-            </a:r>
-          </a:p>
-          <a:p>
-            <a:r>
-              <a:rPr lang="en-US" b="1" dirty="0"/>
-              <a:t>Closed model</a:t>
-            </a:r>
-            <a:r>
-              <a:rPr lang="en-US" dirty="0"/>
-              <a:t>: no external input</a:t>
-            </a:r>
-          </a:p>
-          <a:p>
-            <a:r>
-              <a:rPr lang="en-US" b="1" dirty="0"/>
-              <a:t>Stable model</a:t>
-            </a:r>
-            <a:r>
-              <a:rPr lang="en-US" dirty="0"/>
-              <a:t>: behavior settles eventually</a:t>
-            </a:r>
-          </a:p>
-          <a:p>
-            <a:r>
-              <a:rPr lang="en-US" b="1" dirty="0"/>
-              <a:t>Unstable model: </a:t>
-            </a:r>
-            <a:r>
-              <a:rPr lang="en-US" dirty="0"/>
-              <a:t>behavior consciously changing</a:t>
+              <a:rPr lang="en-US" dirty="0"/>
+              <a:t>Open model: input is external to model</a:t>
+            </a:r>
+          </a:p>
+          <a:p>
+            <a:r>
+              <a:rPr lang="en-US" dirty="0"/>
+              <a:t>Closed model: no external input</a:t>
+            </a:r>
+          </a:p>
+          <a:p>
+            <a:r>
+              <a:rPr lang="en-US" dirty="0"/>
+              <a:t>Stable model: behavior settles eventually</a:t>
+            </a:r>
+          </a:p>
+          <a:p>
+            <a:r>
+              <a:rPr lang="en-US" dirty="0"/>
+              <a:t>Unstable model: behavior consciously changing</a:t>
             </a:r>
             <a:endParaRPr lang="en-US" b="1" dirty="0"/>
           </a:p>
@@ -7880,15 +7822,7 @@
           <a:p>
             <a:r>
               <a:rPr lang="en-US" dirty="0"/>
-              <a:t>A </a:t>
-            </a:r>
-            <a:r>
-              <a:rPr lang="en-US" b="1" dirty="0"/>
-              <a:t>mathematical model</a:t>
-            </a:r>
-            <a:r>
-              <a:rPr lang="en-US" dirty="0"/>
-              <a:t> is a description of a system using mathematical concepts and language</a:t>
+              <a:t>A mathematical model is a description of a system using mathematical concepts and language</a:t>
             </a:r>
           </a:p>
           <a:p>
@@ -7905,6 +7839,36 @@
           </a:p>
         </p:txBody>
       </p:sp>
+      <p:pic>
+        <p:nvPicPr>
+          <p:cNvPr id="4" name="Picture 3">
+            <a:extLst>
+              <a:ext uri="{FF2B5EF4-FFF2-40B4-BE49-F238E27FC236}">
+                <a16:creationId xmlns:a16="http://schemas.microsoft.com/office/drawing/2014/main" id="{0196CBC7-FC7F-4866-95E0-28B4157672D1}"/>
+              </a:ext>
+            </a:extLst>
+          </p:cNvPr>
+          <p:cNvPicPr>
+            <a:picLocks noChangeAspect="1"/>
+          </p:cNvPicPr>
+          <p:nvPr/>
+        </p:nvPicPr>
+        <p:blipFill>
+          <a:blip r:embed="rId2"/>
+          <a:stretch>
+            <a:fillRect/>
+          </a:stretch>
+        </p:blipFill>
+        <p:spPr>
+          <a:xfrm>
+            <a:off x="3595124" y="3267067"/>
+            <a:ext cx="5384169" cy="3445547"/>
+          </a:xfrm>
+          <a:prstGeom prst="rect">
+            <a:avLst/>
+          </a:prstGeom>
+        </p:spPr>
+      </p:pic>
     </p:spTree>
     <p:extLst>
       <p:ext uri="{BB962C8B-B14F-4D97-AF65-F5344CB8AC3E}">
@@ -8508,7 +8472,7 @@
         <p:spPr/>
         <p:txBody>
           <a:bodyPr>
-            <a:normAutofit lnSpcReduction="10000"/>
+            <a:normAutofit fontScale="92500" lnSpcReduction="10000"/>
           </a:bodyPr>
           <a:lstStyle/>
           <a:p>
@@ -9914,15 +9878,6 @@
 </file>
 
 <file path=customXml/item1.xml><?xml version="1.0" encoding="utf-8"?>
-<?mso-contentType ?>
-<FormTemplates xmlns="http://schemas.microsoft.com/sharepoint/v3/contenttype/forms">
-  <Display>DocumentLibraryForm</Display>
-  <Edit>DocumentLibraryForm</Edit>
-  <New>DocumentLibraryForm</New>
-</FormTemplates>
-</file>
-
-<file path=customXml/item2.xml><?xml version="1.0" encoding="utf-8"?>
 <ct:contentTypeSchema xmlns:ct="http://schemas.microsoft.com/office/2006/metadata/contentType" xmlns:ma="http://schemas.microsoft.com/office/2006/metadata/properties/metaAttributes" ct:_="" ma:_="" ma:contentTypeName="Document" ma:contentTypeID="0x01010066926AD10647F0499A1B22C41C5CB3F7" ma:contentTypeVersion="0" ma:contentTypeDescription="Create a new document." ma:contentTypeScope="" ma:versionID="2eced70c0ab3fba1632cc886685d59c7">
   <xsd:schema xmlns:xsd="http://www.w3.org/2001/XMLSchema" xmlns:xs="http://www.w3.org/2001/XMLSchema" xmlns:p="http://schemas.microsoft.com/office/2006/metadata/properties" targetNamespace="http://schemas.microsoft.com/office/2006/metadata/properties" ma:root="true" ma:fieldsID="4f93b3369b854682b1f3ebb5358e247b">
     <xsd:element name="properties">
@@ -10036,21 +9991,22 @@
 </ct:contentTypeSchema>
 </file>
 
-<file path=customXml/item3.xml><?xml version="1.0" encoding="utf-8"?>
+<file path=customXml/item2.xml><?xml version="1.0" encoding="utf-8"?>
 <p:properties xmlns:p="http://schemas.microsoft.com/office/2006/metadata/properties" xmlns:xsi="http://www.w3.org/2001/XMLSchema-instance" xmlns:pc="http://schemas.microsoft.com/office/infopath/2007/PartnerControls">
   <documentManagement/>
 </p:properties>
 </file>
 
-<file path=customXml/itemProps1.xml><?xml version="1.0" encoding="utf-8"?>
-<ds:datastoreItem xmlns:ds="http://schemas.openxmlformats.org/officeDocument/2006/customXml" ds:itemID="{7B67A465-F921-4A6E-993A-A4E82FB881EE}">
-  <ds:schemaRefs>
-    <ds:schemaRef ds:uri="http://schemas.microsoft.com/sharepoint/v3/contenttype/forms"/>
-  </ds:schemaRefs>
-</ds:datastoreItem>
+<file path=customXml/item3.xml><?xml version="1.0" encoding="utf-8"?>
+<?mso-contentType ?>
+<FormTemplates xmlns="http://schemas.microsoft.com/sharepoint/v3/contenttype/forms">
+  <Display>DocumentLibraryForm</Display>
+  <Edit>DocumentLibraryForm</Edit>
+  <New>DocumentLibraryForm</New>
+</FormTemplates>
 </file>
 
-<file path=customXml/itemProps2.xml><?xml version="1.0" encoding="utf-8"?>
+<file path=customXml/itemProps1.xml><?xml version="1.0" encoding="utf-8"?>
 <ds:datastoreItem xmlns:ds="http://schemas.openxmlformats.org/officeDocument/2006/customXml" ds:itemID="{2A44C19A-55CA-4178-B176-E86EC1915D95}">
   <ds:schemaRefs>
     <ds:schemaRef ds:uri="http://schemas.microsoft.com/office/2006/metadata/contentType"/>
@@ -10066,7 +10022,7 @@
 </ds:datastoreItem>
 </file>
 
-<file path=customXml/itemProps3.xml><?xml version="1.0" encoding="utf-8"?>
+<file path=customXml/itemProps2.xml><?xml version="1.0" encoding="utf-8"?>
 <ds:datastoreItem xmlns:ds="http://schemas.openxmlformats.org/officeDocument/2006/customXml" ds:itemID="{EBF53324-1A12-483B-8926-949939446837}">
   <ds:schemaRefs>
     <ds:schemaRef ds:uri="http://www.w3.org/XML/1998/namespace"/>
@@ -10079,4 +10035,12 @@
     <ds:schemaRef ds:uri="http://purl.org/dc/elements/1.1/"/>
   </ds:schemaRefs>
 </ds:datastoreItem>
+</file>
+
+<file path=customXml/itemProps3.xml><?xml version="1.0" encoding="utf-8"?>
+<ds:datastoreItem xmlns:ds="http://schemas.openxmlformats.org/officeDocument/2006/customXml" ds:itemID="{7B67A465-F921-4A6E-993A-A4E82FB881EE}">
+  <ds:schemaRefs>
+    <ds:schemaRef ds:uri="http://schemas.microsoft.com/sharepoint/v3/contenttype/forms"/>
+  </ds:schemaRefs>
+</ds:datastoreItem>
 </file>